--- a/Presentation.pptx
+++ b/Presentation.pptx
@@ -304,7 +304,7 @@
           <a:p>
             <a:fld id="{B81A0AA0-5B6D-45E8-836D-54D1139B95BB}" type="datetimeFigureOut">
               <a:rPr lang="ru-RU" smtClean="0"/>
-              <a:t>18.12.2019</a:t>
+              <a:t>30.01.2020</a:t>
             </a:fld>
             <a:endParaRPr lang="ru-RU"/>
           </a:p>
@@ -494,7 +494,7 @@
           <a:p>
             <a:fld id="{B81A0AA0-5B6D-45E8-836D-54D1139B95BB}" type="datetimeFigureOut">
               <a:rPr lang="ru-RU" smtClean="0"/>
-              <a:t>18.12.2019</a:t>
+              <a:t>30.01.2020</a:t>
             </a:fld>
             <a:endParaRPr lang="ru-RU"/>
           </a:p>
@@ -674,7 +674,7 @@
           <a:p>
             <a:fld id="{B81A0AA0-5B6D-45E8-836D-54D1139B95BB}" type="datetimeFigureOut">
               <a:rPr lang="ru-RU" smtClean="0"/>
-              <a:t>18.12.2019</a:t>
+              <a:t>30.01.2020</a:t>
             </a:fld>
             <a:endParaRPr lang="ru-RU"/>
           </a:p>
@@ -844,7 +844,7 @@
           <a:p>
             <a:fld id="{B81A0AA0-5B6D-45E8-836D-54D1139B95BB}" type="datetimeFigureOut">
               <a:rPr lang="ru-RU" smtClean="0"/>
-              <a:t>18.12.2019</a:t>
+              <a:t>30.01.2020</a:t>
             </a:fld>
             <a:endParaRPr lang="ru-RU"/>
           </a:p>
@@ -1100,7 +1100,7 @@
           <a:p>
             <a:fld id="{B81A0AA0-5B6D-45E8-836D-54D1139B95BB}" type="datetimeFigureOut">
               <a:rPr lang="ru-RU" smtClean="0"/>
-              <a:t>18.12.2019</a:t>
+              <a:t>30.01.2020</a:t>
             </a:fld>
             <a:endParaRPr lang="ru-RU"/>
           </a:p>
@@ -1388,7 +1388,7 @@
           <a:p>
             <a:fld id="{B81A0AA0-5B6D-45E8-836D-54D1139B95BB}" type="datetimeFigureOut">
               <a:rPr lang="ru-RU" smtClean="0"/>
-              <a:t>18.12.2019</a:t>
+              <a:t>30.01.2020</a:t>
             </a:fld>
             <a:endParaRPr lang="ru-RU"/>
           </a:p>
@@ -1826,7 +1826,7 @@
           <a:p>
             <a:fld id="{B81A0AA0-5B6D-45E8-836D-54D1139B95BB}" type="datetimeFigureOut">
               <a:rPr lang="ru-RU" smtClean="0"/>
-              <a:t>18.12.2019</a:t>
+              <a:t>30.01.2020</a:t>
             </a:fld>
             <a:endParaRPr lang="ru-RU"/>
           </a:p>
@@ -1944,7 +1944,7 @@
           <a:p>
             <a:fld id="{B81A0AA0-5B6D-45E8-836D-54D1139B95BB}" type="datetimeFigureOut">
               <a:rPr lang="ru-RU" smtClean="0"/>
-              <a:t>18.12.2019</a:t>
+              <a:t>30.01.2020</a:t>
             </a:fld>
             <a:endParaRPr lang="ru-RU"/>
           </a:p>
@@ -2039,7 +2039,7 @@
           <a:p>
             <a:fld id="{B81A0AA0-5B6D-45E8-836D-54D1139B95BB}" type="datetimeFigureOut">
               <a:rPr lang="ru-RU" smtClean="0"/>
-              <a:t>18.12.2019</a:t>
+              <a:t>30.01.2020</a:t>
             </a:fld>
             <a:endParaRPr lang="ru-RU"/>
           </a:p>
@@ -2395,7 +2395,7 @@
           <a:p>
             <a:fld id="{B81A0AA0-5B6D-45E8-836D-54D1139B95BB}" type="datetimeFigureOut">
               <a:rPr lang="ru-RU" smtClean="0"/>
-              <a:t>18.12.2019</a:t>
+              <a:t>30.01.2020</a:t>
             </a:fld>
             <a:endParaRPr lang="ru-RU"/>
           </a:p>
@@ -2703,7 +2703,7 @@
           <a:p>
             <a:fld id="{B81A0AA0-5B6D-45E8-836D-54D1139B95BB}" type="datetimeFigureOut">
               <a:rPr lang="ru-RU" smtClean="0"/>
-              <a:t>18.12.2019</a:t>
+              <a:t>30.01.2020</a:t>
             </a:fld>
             <a:endParaRPr lang="ru-RU"/>
           </a:p>
@@ -2939,7 +2939,7 @@
           <a:p>
             <a:fld id="{B81A0AA0-5B6D-45E8-836D-54D1139B95BB}" type="datetimeFigureOut">
               <a:rPr lang="ru-RU" smtClean="0"/>
-              <a:t>18.12.2019</a:t>
+              <a:t>30.01.2020</a:t>
             </a:fld>
             <a:endParaRPr lang="ru-RU"/>
           </a:p>
@@ -3414,7 +3414,7 @@
           <p:cNvPr id="2" name="Заголовок 1">
             <a:extLst>
               <a:ext uri="{FF2B5EF4-FFF2-40B4-BE49-F238E27FC236}">
-                <a16:creationId xmlns:a16="http://schemas.microsoft.com/office/drawing/2014/main" id="{7F7C11CE-DB22-407A-9782-B575D16F64A4}"/>
+                <a16:creationId xmlns:a16="http://schemas.microsoft.com/office/drawing/2014/main" xmlns="" id="{7F7C11CE-DB22-407A-9782-B575D16F64A4}"/>
               </a:ext>
             </a:extLst>
           </p:cNvPr>
@@ -3461,7 +3461,7 @@
           <p:cNvPr id="3" name="Подзаголовок 2">
             <a:extLst>
               <a:ext uri="{FF2B5EF4-FFF2-40B4-BE49-F238E27FC236}">
-                <a16:creationId xmlns:a16="http://schemas.microsoft.com/office/drawing/2014/main" id="{9E8D187C-0E72-4AEC-9E43-ABC9BA53E905}"/>
+                <a16:creationId xmlns:a16="http://schemas.microsoft.com/office/drawing/2014/main" xmlns="" id="{9E8D187C-0E72-4AEC-9E43-ABC9BA53E905}"/>
               </a:ext>
             </a:extLst>
           </p:cNvPr>
@@ -3505,6 +3505,13 @@
   <p:clrMapOvr>
     <a:masterClrMapping/>
   </p:clrMapOvr>
+  <p:timing>
+    <p:tnLst>
+      <p:par>
+        <p:cTn id="1" dur="indefinite" restart="never" nodeType="tmRoot"/>
+      </p:par>
+    </p:tnLst>
+  </p:timing>
 </p:sld>
 </file>
 
@@ -3530,7 +3537,7 @@
           <p:cNvPr id="2" name="Заголовок 1">
             <a:extLst>
               <a:ext uri="{FF2B5EF4-FFF2-40B4-BE49-F238E27FC236}">
-                <a16:creationId xmlns:a16="http://schemas.microsoft.com/office/drawing/2014/main" id="{82F5664B-4172-4027-84E2-7659A3384402}"/>
+                <a16:creationId xmlns:a16="http://schemas.microsoft.com/office/drawing/2014/main" xmlns="" id="{82F5664B-4172-4027-84E2-7659A3384402}"/>
               </a:ext>
             </a:extLst>
           </p:cNvPr>
@@ -3568,7 +3575,7 @@
           <p:cNvPr id="3" name="Объект 2">
             <a:extLst>
               <a:ext uri="{FF2B5EF4-FFF2-40B4-BE49-F238E27FC236}">
-                <a16:creationId xmlns:a16="http://schemas.microsoft.com/office/drawing/2014/main" id="{165E7840-8B82-4EF9-AD9D-D396788BB264}"/>
+                <a16:creationId xmlns:a16="http://schemas.microsoft.com/office/drawing/2014/main" xmlns="" id="{165E7840-8B82-4EF9-AD9D-D396788BB264}"/>
               </a:ext>
             </a:extLst>
           </p:cNvPr>
@@ -3695,6 +3702,13 @@
   <p:clrMapOvr>
     <a:masterClrMapping/>
   </p:clrMapOvr>
+  <p:timing>
+    <p:tnLst>
+      <p:par>
+        <p:cTn id="1" dur="indefinite" restart="never" nodeType="tmRoot"/>
+      </p:par>
+    </p:tnLst>
+  </p:timing>
 </p:sld>
 </file>
 
@@ -3720,7 +3734,7 @@
           <p:cNvPr id="2" name="Заголовок 1">
             <a:extLst>
               <a:ext uri="{FF2B5EF4-FFF2-40B4-BE49-F238E27FC236}">
-                <a16:creationId xmlns:a16="http://schemas.microsoft.com/office/drawing/2014/main" id="{993DCC2A-C119-4905-BFDC-48AED4414286}"/>
+                <a16:creationId xmlns:a16="http://schemas.microsoft.com/office/drawing/2014/main" xmlns="" id="{993DCC2A-C119-4905-BFDC-48AED4414286}"/>
               </a:ext>
             </a:extLst>
           </p:cNvPr>
@@ -3758,7 +3772,7 @@
           <p:cNvPr id="3" name="Объект 2">
             <a:extLst>
               <a:ext uri="{FF2B5EF4-FFF2-40B4-BE49-F238E27FC236}">
-                <a16:creationId xmlns:a16="http://schemas.microsoft.com/office/drawing/2014/main" id="{6F6E726A-AD42-4EE8-900E-18201E08A9DB}"/>
+                <a16:creationId xmlns:a16="http://schemas.microsoft.com/office/drawing/2014/main" xmlns="" id="{6F6E726A-AD42-4EE8-900E-18201E08A9DB}"/>
               </a:ext>
             </a:extLst>
           </p:cNvPr>
@@ -3944,6 +3958,13 @@
   <p:clrMapOvr>
     <a:masterClrMapping/>
   </p:clrMapOvr>
+  <p:timing>
+    <p:tnLst>
+      <p:par>
+        <p:cTn id="1" dur="indefinite" restart="never" nodeType="tmRoot"/>
+      </p:par>
+    </p:tnLst>
+  </p:timing>
 </p:sld>
 </file>
 
@@ -3969,7 +3990,7 @@
           <p:cNvPr id="2" name="Заголовок 1">
             <a:extLst>
               <a:ext uri="{FF2B5EF4-FFF2-40B4-BE49-F238E27FC236}">
-                <a16:creationId xmlns:a16="http://schemas.microsoft.com/office/drawing/2014/main" id="{87299B9C-C1CB-4FF2-953D-C4B796F4C72A}"/>
+                <a16:creationId xmlns:a16="http://schemas.microsoft.com/office/drawing/2014/main" xmlns="" id="{87299B9C-C1CB-4FF2-953D-C4B796F4C72A}"/>
               </a:ext>
             </a:extLst>
           </p:cNvPr>
@@ -3992,12 +4013,36 @@
           <a:p>
             <a:pPr algn="ctr"/>
             <a:r>
+              <a:rPr lang="ru-RU" dirty="0" smtClean="0">
+                <a:solidFill>
+                  <a:schemeClr val="bg1"/>
+                </a:solidFill>
+              </a:rPr>
+              <a:t>Использу</a:t>
+            </a:r>
+            <a:r>
+              <a:rPr lang="ru-RU" dirty="0" smtClean="0">
+                <a:solidFill>
+                  <a:schemeClr val="bg1"/>
+                </a:solidFill>
+              </a:rPr>
+              <a:t>емые</a:t>
+            </a:r>
+            <a:r>
+              <a:rPr lang="ru-RU" dirty="0" smtClean="0">
+                <a:solidFill>
+                  <a:schemeClr val="bg1"/>
+                </a:solidFill>
+              </a:rPr>
+              <a:t> </a:t>
+            </a:r>
+            <a:r>
               <a:rPr lang="ru-RU" dirty="0">
                 <a:solidFill>
                   <a:schemeClr val="bg1"/>
                 </a:solidFill>
               </a:rPr>
-              <a:t>Использующиеся библиотеки</a:t>
+              <a:t>библиотеки</a:t>
             </a:r>
           </a:p>
         </p:txBody>
@@ -4007,7 +4052,7 @@
           <p:cNvPr id="3" name="Объект 2">
             <a:extLst>
               <a:ext uri="{FF2B5EF4-FFF2-40B4-BE49-F238E27FC236}">
-                <a16:creationId xmlns:a16="http://schemas.microsoft.com/office/drawing/2014/main" id="{2A215E4C-8F7A-4A1B-9CAF-F8388EBCDBD9}"/>
+                <a16:creationId xmlns:a16="http://schemas.microsoft.com/office/drawing/2014/main" xmlns="" id="{2A215E4C-8F7A-4A1B-9CAF-F8388EBCDBD9}"/>
               </a:ext>
             </a:extLst>
           </p:cNvPr>
@@ -4089,12 +4134,12 @@
               <a:t>для сбора и обработки </a:t>
             </a:r>
             <a:r>
-              <a:rPr lang="ru-RU" sz="3000" dirty="0" err="1">
-                <a:solidFill>
-                  <a:schemeClr val="bg1"/>
-                </a:solidFill>
-              </a:rPr>
-              <a:t>статиски</a:t>
+              <a:rPr lang="ru-RU" sz="3000" dirty="0" smtClean="0">
+                <a:solidFill>
+                  <a:schemeClr val="bg1"/>
+                </a:solidFill>
+              </a:rPr>
+              <a:t>статистики </a:t>
             </a:r>
             <a:r>
               <a:rPr lang="ru-RU" sz="3000" dirty="0">
@@ -4102,8 +4147,21 @@
                   <a:schemeClr val="bg1"/>
                 </a:solidFill>
               </a:rPr>
-              <a:t> об играх пользователей</a:t>
-            </a:r>
+              <a:t>об играх </a:t>
+            </a:r>
+            <a:r>
+              <a:rPr lang="ru-RU" sz="3000" dirty="0" smtClean="0">
+                <a:solidFill>
+                  <a:schemeClr val="bg1"/>
+                </a:solidFill>
+              </a:rPr>
+              <a:t>пользователя</a:t>
+            </a:r>
+            <a:endParaRPr lang="ru-RU" sz="3000" dirty="0">
+              <a:solidFill>
+                <a:schemeClr val="bg1"/>
+              </a:solidFill>
+            </a:endParaRPr>
           </a:p>
           <a:p>
             <a:r>
@@ -4186,7 +4244,23 @@
                   <a:schemeClr val="bg1"/>
                 </a:solidFill>
               </a:rPr>
-              <a:t>для получения полных путей к спрайтам и другим данных программы</a:t>
+              <a:t>для получения полных путей к спрайтам и другим </a:t>
+            </a:r>
+            <a:r>
+              <a:rPr lang="ru-RU" sz="3000" dirty="0" smtClean="0">
+                <a:solidFill>
+                  <a:schemeClr val="bg1"/>
+                </a:solidFill>
+              </a:rPr>
+              <a:t>данным </a:t>
+            </a:r>
+            <a:r>
+              <a:rPr lang="ru-RU" sz="3000" dirty="0">
+                <a:solidFill>
+                  <a:schemeClr val="bg1"/>
+                </a:solidFill>
+              </a:rPr>
+              <a:t>программы</a:t>
             </a:r>
           </a:p>
           <a:p>
@@ -4227,6 +4301,13 @@
   <p:clrMapOvr>
     <a:masterClrMapping/>
   </p:clrMapOvr>
+  <p:timing>
+    <p:tnLst>
+      <p:par>
+        <p:cTn id="1" dur="indefinite" restart="never" nodeType="tmRoot"/>
+      </p:par>
+    </p:tnLst>
+  </p:timing>
 </p:sld>
 </file>
 
@@ -4252,7 +4333,7 @@
           <p:cNvPr id="2" name="Заголовок 1">
             <a:extLst>
               <a:ext uri="{FF2B5EF4-FFF2-40B4-BE49-F238E27FC236}">
-                <a16:creationId xmlns:a16="http://schemas.microsoft.com/office/drawing/2014/main" id="{3BA3FF17-D564-439C-AB2D-5B3C26E9EF0B}"/>
+                <a16:creationId xmlns:a16="http://schemas.microsoft.com/office/drawing/2014/main" xmlns="" id="{3BA3FF17-D564-439C-AB2D-5B3C26E9EF0B}"/>
               </a:ext>
             </a:extLst>
           </p:cNvPr>
@@ -4290,7 +4371,7 @@
           <p:cNvPr id="3" name="Объект 2">
             <a:extLst>
               <a:ext uri="{FF2B5EF4-FFF2-40B4-BE49-F238E27FC236}">
-                <a16:creationId xmlns:a16="http://schemas.microsoft.com/office/drawing/2014/main" id="{2856BBF8-F65B-4EF8-BC2C-642E3D76084D}"/>
+                <a16:creationId xmlns:a16="http://schemas.microsoft.com/office/drawing/2014/main" xmlns="" id="{2856BBF8-F65B-4EF8-BC2C-642E3D76084D}"/>
               </a:ext>
             </a:extLst>
           </p:cNvPr>
@@ -4330,13 +4411,26 @@
               <a:buNone/>
             </a:pPr>
             <a:r>
-              <a:rPr lang="ru-RU" sz="2800" dirty="0">
-                <a:solidFill>
-                  <a:schemeClr val="bg1"/>
-                </a:solidFill>
-              </a:rPr>
-              <a:t>Возможные идеи для развития проекта:</a:t>
-            </a:r>
+              <a:rPr lang="ru-RU" sz="2800" dirty="0" smtClean="0">
+                <a:solidFill>
+                  <a:schemeClr val="bg1"/>
+                </a:solidFill>
+              </a:rPr>
+              <a:t>Возможности </a:t>
+            </a:r>
+            <a:r>
+              <a:rPr lang="ru-RU" sz="2800" smtClean="0">
+                <a:solidFill>
+                  <a:schemeClr val="bg1"/>
+                </a:solidFill>
+              </a:rPr>
+              <a:t>развития проекта:</a:t>
+            </a:r>
+            <a:endParaRPr lang="ru-RU" sz="2800" dirty="0">
+              <a:solidFill>
+                <a:schemeClr val="bg1"/>
+              </a:solidFill>
+            </a:endParaRPr>
           </a:p>
           <a:p>
             <a:pPr marL="0" indent="0">
@@ -4402,6 +4496,13 @@
   <p:clrMapOvr>
     <a:masterClrMapping/>
   </p:clrMapOvr>
+  <p:timing>
+    <p:tnLst>
+      <p:par>
+        <p:cTn id="1" dur="indefinite" restart="never" nodeType="tmRoot"/>
+      </p:par>
+    </p:tnLst>
+  </p:timing>
 </p:sld>
 </file>
 
@@ -4427,7 +4528,7 @@
           <p:cNvPr id="2" name="Заголовок 1">
             <a:extLst>
               <a:ext uri="{FF2B5EF4-FFF2-40B4-BE49-F238E27FC236}">
-                <a16:creationId xmlns:a16="http://schemas.microsoft.com/office/drawing/2014/main" id="{33347A89-BAAC-41F4-9DE9-52BF65611484}"/>
+                <a16:creationId xmlns:a16="http://schemas.microsoft.com/office/drawing/2014/main" xmlns="" id="{33347A89-BAAC-41F4-9DE9-52BF65611484}"/>
               </a:ext>
             </a:extLst>
           </p:cNvPr>
@@ -4465,7 +4566,7 @@
           <p:cNvPr id="3" name="Объект 2">
             <a:extLst>
               <a:ext uri="{FF2B5EF4-FFF2-40B4-BE49-F238E27FC236}">
-                <a16:creationId xmlns:a16="http://schemas.microsoft.com/office/drawing/2014/main" id="{E710283F-8B32-4F54-B290-5754DD800A29}"/>
+                <a16:creationId xmlns:a16="http://schemas.microsoft.com/office/drawing/2014/main" xmlns="" id="{E710283F-8B32-4F54-B290-5754DD800A29}"/>
               </a:ext>
             </a:extLst>
           </p:cNvPr>
@@ -4564,6 +4665,13 @@
   <p:clrMapOvr>
     <a:masterClrMapping/>
   </p:clrMapOvr>
+  <p:timing>
+    <p:tnLst>
+      <p:par>
+        <p:cTn id="1" dur="indefinite" restart="never" nodeType="tmRoot"/>
+      </p:par>
+    </p:tnLst>
+  </p:timing>
 </p:sld>
 </file>
 
@@ -4798,7 +4906,7 @@
   <a:extraClrSchemeLst/>
   <a:extLst>
     <a:ext uri="{05A4C25C-085E-4340-85A3-A5531E510DB2}">
-      <thm15:themeFamily xmlns:thm15="http://schemas.microsoft.com/office/thememl/2012/main" name="Metropolitan" id="{4C5440D6-04D2-4954-96CF-F251137069B2}" vid="{79CFCA13-9412-4290-BB4B-85112F88857B}"/>
+      <thm15:themeFamily xmlns:thm15="http://schemas.microsoft.com/office/thememl/2012/main" xmlns="" name="Metropolitan" id="{4C5440D6-04D2-4954-96CF-F251137069B2}" vid="{79CFCA13-9412-4290-BB4B-85112F88857B}"/>
     </a:ext>
   </a:extLst>
 </a:theme>

--- a/Presentation.pptx
+++ b/Presentation.pptx
@@ -304,7 +304,7 @@
           <a:p>
             <a:fld id="{B81A0AA0-5B6D-45E8-836D-54D1139B95BB}" type="datetimeFigureOut">
               <a:rPr lang="ru-RU" smtClean="0"/>
-              <a:t>30.01.2020</a:t>
+              <a:t>03.02.2020</a:t>
             </a:fld>
             <a:endParaRPr lang="ru-RU"/>
           </a:p>
@@ -494,7 +494,7 @@
           <a:p>
             <a:fld id="{B81A0AA0-5B6D-45E8-836D-54D1139B95BB}" type="datetimeFigureOut">
               <a:rPr lang="ru-RU" smtClean="0"/>
-              <a:t>30.01.2020</a:t>
+              <a:t>03.02.2020</a:t>
             </a:fld>
             <a:endParaRPr lang="ru-RU"/>
           </a:p>
@@ -674,7 +674,7 @@
           <a:p>
             <a:fld id="{B81A0AA0-5B6D-45E8-836D-54D1139B95BB}" type="datetimeFigureOut">
               <a:rPr lang="ru-RU" smtClean="0"/>
-              <a:t>30.01.2020</a:t>
+              <a:t>03.02.2020</a:t>
             </a:fld>
             <a:endParaRPr lang="ru-RU"/>
           </a:p>
@@ -844,7 +844,7 @@
           <a:p>
             <a:fld id="{B81A0AA0-5B6D-45E8-836D-54D1139B95BB}" type="datetimeFigureOut">
               <a:rPr lang="ru-RU" smtClean="0"/>
-              <a:t>30.01.2020</a:t>
+              <a:t>03.02.2020</a:t>
             </a:fld>
             <a:endParaRPr lang="ru-RU"/>
           </a:p>
@@ -1100,7 +1100,7 @@
           <a:p>
             <a:fld id="{B81A0AA0-5B6D-45E8-836D-54D1139B95BB}" type="datetimeFigureOut">
               <a:rPr lang="ru-RU" smtClean="0"/>
-              <a:t>30.01.2020</a:t>
+              <a:t>03.02.2020</a:t>
             </a:fld>
             <a:endParaRPr lang="ru-RU"/>
           </a:p>
@@ -1388,7 +1388,7 @@
           <a:p>
             <a:fld id="{B81A0AA0-5B6D-45E8-836D-54D1139B95BB}" type="datetimeFigureOut">
               <a:rPr lang="ru-RU" smtClean="0"/>
-              <a:t>30.01.2020</a:t>
+              <a:t>03.02.2020</a:t>
             </a:fld>
             <a:endParaRPr lang="ru-RU"/>
           </a:p>
@@ -1826,7 +1826,7 @@
           <a:p>
             <a:fld id="{B81A0AA0-5B6D-45E8-836D-54D1139B95BB}" type="datetimeFigureOut">
               <a:rPr lang="ru-RU" smtClean="0"/>
-              <a:t>30.01.2020</a:t>
+              <a:t>03.02.2020</a:t>
             </a:fld>
             <a:endParaRPr lang="ru-RU"/>
           </a:p>
@@ -1944,7 +1944,7 @@
           <a:p>
             <a:fld id="{B81A0AA0-5B6D-45E8-836D-54D1139B95BB}" type="datetimeFigureOut">
               <a:rPr lang="ru-RU" smtClean="0"/>
-              <a:t>30.01.2020</a:t>
+              <a:t>03.02.2020</a:t>
             </a:fld>
             <a:endParaRPr lang="ru-RU"/>
           </a:p>
@@ -2039,7 +2039,7 @@
           <a:p>
             <a:fld id="{B81A0AA0-5B6D-45E8-836D-54D1139B95BB}" type="datetimeFigureOut">
               <a:rPr lang="ru-RU" smtClean="0"/>
-              <a:t>30.01.2020</a:t>
+              <a:t>03.02.2020</a:t>
             </a:fld>
             <a:endParaRPr lang="ru-RU"/>
           </a:p>
@@ -2395,7 +2395,7 @@
           <a:p>
             <a:fld id="{B81A0AA0-5B6D-45E8-836D-54D1139B95BB}" type="datetimeFigureOut">
               <a:rPr lang="ru-RU" smtClean="0"/>
-              <a:t>30.01.2020</a:t>
+              <a:t>03.02.2020</a:t>
             </a:fld>
             <a:endParaRPr lang="ru-RU"/>
           </a:p>
@@ -2703,7 +2703,7 @@
           <a:p>
             <a:fld id="{B81A0AA0-5B6D-45E8-836D-54D1139B95BB}" type="datetimeFigureOut">
               <a:rPr lang="ru-RU" smtClean="0"/>
-              <a:t>30.01.2020</a:t>
+              <a:t>03.02.2020</a:t>
             </a:fld>
             <a:endParaRPr lang="ru-RU"/>
           </a:p>
@@ -2939,7 +2939,7 @@
           <a:p>
             <a:fld id="{B81A0AA0-5B6D-45E8-836D-54D1139B95BB}" type="datetimeFigureOut">
               <a:rPr lang="ru-RU" smtClean="0"/>
-              <a:t>30.01.2020</a:t>
+              <a:t>03.02.2020</a:t>
             </a:fld>
             <a:endParaRPr lang="ru-RU"/>
           </a:p>
@@ -3414,7 +3414,7 @@
           <p:cNvPr id="2" name="Заголовок 1">
             <a:extLst>
               <a:ext uri="{FF2B5EF4-FFF2-40B4-BE49-F238E27FC236}">
-                <a16:creationId xmlns:a16="http://schemas.microsoft.com/office/drawing/2014/main" xmlns="" id="{7F7C11CE-DB22-407A-9782-B575D16F64A4}"/>
+                <a16:creationId xmlns="" xmlns:a16="http://schemas.microsoft.com/office/drawing/2014/main" id="{7F7C11CE-DB22-407A-9782-B575D16F64A4}"/>
               </a:ext>
             </a:extLst>
           </p:cNvPr>
@@ -3461,7 +3461,7 @@
           <p:cNvPr id="3" name="Подзаголовок 2">
             <a:extLst>
               <a:ext uri="{FF2B5EF4-FFF2-40B4-BE49-F238E27FC236}">
-                <a16:creationId xmlns:a16="http://schemas.microsoft.com/office/drawing/2014/main" xmlns="" id="{9E8D187C-0E72-4AEC-9E43-ABC9BA53E905}"/>
+                <a16:creationId xmlns="" xmlns:a16="http://schemas.microsoft.com/office/drawing/2014/main" id="{9E8D187C-0E72-4AEC-9E43-ABC9BA53E905}"/>
               </a:ext>
             </a:extLst>
           </p:cNvPr>
@@ -3537,7 +3537,7 @@
           <p:cNvPr id="2" name="Заголовок 1">
             <a:extLst>
               <a:ext uri="{FF2B5EF4-FFF2-40B4-BE49-F238E27FC236}">
-                <a16:creationId xmlns:a16="http://schemas.microsoft.com/office/drawing/2014/main" xmlns="" id="{82F5664B-4172-4027-84E2-7659A3384402}"/>
+                <a16:creationId xmlns="" xmlns:a16="http://schemas.microsoft.com/office/drawing/2014/main" id="{82F5664B-4172-4027-84E2-7659A3384402}"/>
               </a:ext>
             </a:extLst>
           </p:cNvPr>
@@ -3575,7 +3575,7 @@
           <p:cNvPr id="3" name="Объект 2">
             <a:extLst>
               <a:ext uri="{FF2B5EF4-FFF2-40B4-BE49-F238E27FC236}">
-                <a16:creationId xmlns:a16="http://schemas.microsoft.com/office/drawing/2014/main" xmlns="" id="{165E7840-8B82-4EF9-AD9D-D396788BB264}"/>
+                <a16:creationId xmlns="" xmlns:a16="http://schemas.microsoft.com/office/drawing/2014/main" id="{165E7840-8B82-4EF9-AD9D-D396788BB264}"/>
               </a:ext>
             </a:extLst>
           </p:cNvPr>
@@ -3734,7 +3734,7 @@
           <p:cNvPr id="2" name="Заголовок 1">
             <a:extLst>
               <a:ext uri="{FF2B5EF4-FFF2-40B4-BE49-F238E27FC236}">
-                <a16:creationId xmlns:a16="http://schemas.microsoft.com/office/drawing/2014/main" xmlns="" id="{993DCC2A-C119-4905-BFDC-48AED4414286}"/>
+                <a16:creationId xmlns="" xmlns:a16="http://schemas.microsoft.com/office/drawing/2014/main" id="{993DCC2A-C119-4905-BFDC-48AED4414286}"/>
               </a:ext>
             </a:extLst>
           </p:cNvPr>
@@ -3772,7 +3772,7 @@
           <p:cNvPr id="3" name="Объект 2">
             <a:extLst>
               <a:ext uri="{FF2B5EF4-FFF2-40B4-BE49-F238E27FC236}">
-                <a16:creationId xmlns:a16="http://schemas.microsoft.com/office/drawing/2014/main" xmlns="" id="{6F6E726A-AD42-4EE8-900E-18201E08A9DB}"/>
+                <a16:creationId xmlns="" xmlns:a16="http://schemas.microsoft.com/office/drawing/2014/main" id="{6F6E726A-AD42-4EE8-900E-18201E08A9DB}"/>
               </a:ext>
             </a:extLst>
           </p:cNvPr>
@@ -3990,7 +3990,7 @@
           <p:cNvPr id="2" name="Заголовок 1">
             <a:extLst>
               <a:ext uri="{FF2B5EF4-FFF2-40B4-BE49-F238E27FC236}">
-                <a16:creationId xmlns:a16="http://schemas.microsoft.com/office/drawing/2014/main" xmlns="" id="{87299B9C-C1CB-4FF2-953D-C4B796F4C72A}"/>
+                <a16:creationId xmlns="" xmlns:a16="http://schemas.microsoft.com/office/drawing/2014/main" id="{87299B9C-C1CB-4FF2-953D-C4B796F4C72A}"/>
               </a:ext>
             </a:extLst>
           </p:cNvPr>
@@ -4018,23 +4018,7 @@
                   <a:schemeClr val="bg1"/>
                 </a:solidFill>
               </a:rPr>
-              <a:t>Использу</a:t>
-            </a:r>
-            <a:r>
-              <a:rPr lang="ru-RU" dirty="0" smtClean="0">
-                <a:solidFill>
-                  <a:schemeClr val="bg1"/>
-                </a:solidFill>
-              </a:rPr>
-              <a:t>емые</a:t>
-            </a:r>
-            <a:r>
-              <a:rPr lang="ru-RU" dirty="0" smtClean="0">
-                <a:solidFill>
-                  <a:schemeClr val="bg1"/>
-                </a:solidFill>
-              </a:rPr>
-              <a:t> </a:t>
+              <a:t>Используемые </a:t>
             </a:r>
             <a:r>
               <a:rPr lang="ru-RU" dirty="0">
@@ -4052,7 +4036,7 @@
           <p:cNvPr id="3" name="Объект 2">
             <a:extLst>
               <a:ext uri="{FF2B5EF4-FFF2-40B4-BE49-F238E27FC236}">
-                <a16:creationId xmlns:a16="http://schemas.microsoft.com/office/drawing/2014/main" xmlns="" id="{2A215E4C-8F7A-4A1B-9CAF-F8388EBCDBD9}"/>
+                <a16:creationId xmlns="" xmlns:a16="http://schemas.microsoft.com/office/drawing/2014/main" id="{2A215E4C-8F7A-4A1B-9CAF-F8388EBCDBD9}"/>
               </a:ext>
             </a:extLst>
           </p:cNvPr>
@@ -4333,7 +4317,7 @@
           <p:cNvPr id="2" name="Заголовок 1">
             <a:extLst>
               <a:ext uri="{FF2B5EF4-FFF2-40B4-BE49-F238E27FC236}">
-                <a16:creationId xmlns:a16="http://schemas.microsoft.com/office/drawing/2014/main" xmlns="" id="{3BA3FF17-D564-439C-AB2D-5B3C26E9EF0B}"/>
+                <a16:creationId xmlns="" xmlns:a16="http://schemas.microsoft.com/office/drawing/2014/main" id="{3BA3FF17-D564-439C-AB2D-5B3C26E9EF0B}"/>
               </a:ext>
             </a:extLst>
           </p:cNvPr>
@@ -4371,7 +4355,7 @@
           <p:cNvPr id="3" name="Объект 2">
             <a:extLst>
               <a:ext uri="{FF2B5EF4-FFF2-40B4-BE49-F238E27FC236}">
-                <a16:creationId xmlns:a16="http://schemas.microsoft.com/office/drawing/2014/main" xmlns="" id="{2856BBF8-F65B-4EF8-BC2C-642E3D76084D}"/>
+                <a16:creationId xmlns="" xmlns:a16="http://schemas.microsoft.com/office/drawing/2014/main" id="{2856BBF8-F65B-4EF8-BC2C-642E3D76084D}"/>
               </a:ext>
             </a:extLst>
           </p:cNvPr>
@@ -4384,8 +4368,8 @@
         </p:nvSpPr>
         <p:spPr>
           <a:xfrm>
-            <a:off x="676656" y="1491453"/>
-            <a:ext cx="10753725" cy="4598633"/>
+            <a:off x="642151" y="1491453"/>
+            <a:ext cx="10753725" cy="5150887"/>
           </a:xfrm>
         </p:spPr>
         <p:txBody>
@@ -4398,7 +4382,7 @@
               <a:buNone/>
             </a:pPr>
             <a:r>
-              <a:rPr lang="ru-RU" sz="2800" dirty="0">
+              <a:rPr lang="ru-RU" sz="3000" dirty="0">
                 <a:solidFill>
                   <a:schemeClr val="bg1"/>
                 </a:solidFill>
@@ -4411,22 +4395,35 @@
               <a:buNone/>
             </a:pPr>
             <a:r>
-              <a:rPr lang="ru-RU" sz="2800" dirty="0" smtClean="0">
-                <a:solidFill>
-                  <a:schemeClr val="bg1"/>
-                </a:solidFill>
-              </a:rPr>
-              <a:t>Возможности </a:t>
-            </a:r>
-            <a:r>
-              <a:rPr lang="ru-RU" sz="2800" smtClean="0">
-                <a:solidFill>
-                  <a:schemeClr val="bg1"/>
-                </a:solidFill>
-              </a:rPr>
-              <a:t>развития проекта:</a:t>
-            </a:r>
-            <a:endParaRPr lang="ru-RU" sz="2800" dirty="0">
+              <a:rPr lang="ru-RU" sz="3000" dirty="0" smtClean="0">
+                <a:solidFill>
+                  <a:schemeClr val="bg1"/>
+                </a:solidFill>
+              </a:rPr>
+              <a:t>Возможности развития проекта</a:t>
+            </a:r>
+            <a:r>
+              <a:rPr lang="ru-RU" sz="3000" dirty="0" smtClean="0">
+                <a:solidFill>
+                  <a:schemeClr val="bg1"/>
+                </a:solidFill>
+              </a:rPr>
+              <a:t>:</a:t>
+            </a:r>
+          </a:p>
+          <a:p>
+            <a:pPr marL="0" indent="0">
+              <a:buNone/>
+            </a:pPr>
+            <a:r>
+              <a:rPr lang="ru-RU" sz="3000" dirty="0" smtClean="0">
+                <a:solidFill>
+                  <a:schemeClr val="bg1"/>
+                </a:solidFill>
+              </a:rPr>
+              <a:t>1) Сделать так, чтобы скорость увеличивалась со временем</a:t>
+            </a:r>
+            <a:endParaRPr lang="en-US" sz="3000" dirty="0" smtClean="0">
               <a:solidFill>
                 <a:schemeClr val="bg1"/>
               </a:solidFill>
@@ -4437,25 +4434,62 @@
               <a:buNone/>
             </a:pPr>
             <a:r>
-              <a:rPr lang="ru-RU" sz="2800" dirty="0">
-                <a:solidFill>
-                  <a:schemeClr val="bg1"/>
-                </a:solidFill>
-              </a:rPr>
-              <a:t>1) Добавить счетчик времени для увеличения параметров статистики</a:t>
-            </a:r>
+              <a:rPr lang="ru-RU" sz="3000" dirty="0">
+                <a:solidFill>
+                  <a:schemeClr val="bg1"/>
+                </a:solidFill>
+              </a:rPr>
+              <a:t>2</a:t>
+            </a:r>
+            <a:r>
+              <a:rPr lang="en-US" sz="3000" dirty="0" smtClean="0">
+                <a:solidFill>
+                  <a:schemeClr val="bg1"/>
+                </a:solidFill>
+              </a:rPr>
+              <a:t>) </a:t>
+            </a:r>
+            <a:r>
+              <a:rPr lang="ru-RU" sz="3000" dirty="0" smtClean="0">
+                <a:solidFill>
+                  <a:schemeClr val="bg1"/>
+                </a:solidFill>
+              </a:rPr>
+              <a:t>Добавить функцию паузы</a:t>
+            </a:r>
+            <a:endParaRPr lang="ru-RU" sz="3000" dirty="0">
+              <a:solidFill>
+                <a:schemeClr val="bg1"/>
+              </a:solidFill>
+            </a:endParaRPr>
           </a:p>
           <a:p>
             <a:pPr marL="0" indent="0">
               <a:buNone/>
             </a:pPr>
             <a:r>
-              <a:rPr lang="ru-RU" sz="2800" dirty="0">
-                <a:solidFill>
-                  <a:schemeClr val="bg1"/>
-                </a:solidFill>
-              </a:rPr>
-              <a:t>2) Добавить другие режимы игры, помимо классического</a:t>
+              <a:rPr lang="ru-RU" sz="3000" dirty="0">
+                <a:solidFill>
+                  <a:schemeClr val="bg1"/>
+                </a:solidFill>
+              </a:rPr>
+              <a:t>3</a:t>
+            </a:r>
+            <a:r>
+              <a:rPr lang="ru-RU" sz="3000" dirty="0" smtClean="0">
+                <a:solidFill>
+                  <a:schemeClr val="bg1"/>
+                </a:solidFill>
+              </a:rPr>
+              <a:t>) </a:t>
+            </a:r>
+            <a:r>
+              <a:rPr lang="ru-RU" sz="3000" dirty="0">
+                <a:solidFill>
+                  <a:schemeClr val="bg1"/>
+                </a:solidFill>
+              </a:rPr>
+              <a:t>Добавить счетчик времени для увеличения параметров статистики</a:t>
             </a:r>
           </a:p>
           <a:p>
@@ -4463,12 +4497,28 @@
               <a:buNone/>
             </a:pPr>
             <a:r>
-              <a:rPr lang="ru-RU" sz="2800" dirty="0">
-                <a:solidFill>
-                  <a:schemeClr val="bg1"/>
-                </a:solidFill>
-              </a:rPr>
-              <a:t>3) Собирать статистику со всех компьютеров игроков в одну базу данных</a:t>
+              <a:rPr lang="ru-RU" sz="3000" dirty="0">
+                <a:solidFill>
+                  <a:schemeClr val="bg1"/>
+                </a:solidFill>
+              </a:rPr>
+              <a:t>4</a:t>
+            </a:r>
+            <a:r>
+              <a:rPr lang="ru-RU" sz="3000" dirty="0" smtClean="0">
+                <a:solidFill>
+                  <a:schemeClr val="bg1"/>
+                </a:solidFill>
+              </a:rPr>
+              <a:t>) </a:t>
+            </a:r>
+            <a:r>
+              <a:rPr lang="ru-RU" sz="3000" dirty="0">
+                <a:solidFill>
+                  <a:schemeClr val="bg1"/>
+                </a:solidFill>
+              </a:rPr>
+              <a:t>Добавить другие режимы игры, помимо классического</a:t>
             </a:r>
           </a:p>
           <a:p>
@@ -4476,13 +4526,42 @@
               <a:buNone/>
             </a:pPr>
             <a:r>
-              <a:rPr lang="ru-RU" sz="2800" dirty="0">
-                <a:solidFill>
-                  <a:schemeClr val="bg1"/>
-                </a:solidFill>
-              </a:rPr>
-              <a:t>4) Добавить возможность сетевой игры между несколькими игроками с одним и тем же набором фигур</a:t>
-            </a:r>
+              <a:rPr lang="ru-RU" sz="3000" dirty="0">
+                <a:solidFill>
+                  <a:schemeClr val="bg1"/>
+                </a:solidFill>
+              </a:rPr>
+              <a:t>5</a:t>
+            </a:r>
+            <a:r>
+              <a:rPr lang="ru-RU" sz="3000" dirty="0" smtClean="0">
+                <a:solidFill>
+                  <a:schemeClr val="bg1"/>
+                </a:solidFill>
+              </a:rPr>
+              <a:t>) </a:t>
+            </a:r>
+            <a:r>
+              <a:rPr lang="ru-RU" sz="3000" dirty="0">
+                <a:solidFill>
+                  <a:schemeClr val="bg1"/>
+                </a:solidFill>
+              </a:rPr>
+              <a:t>Собирать статистику со всех компьютеров игроков в одну базу </a:t>
+            </a:r>
+            <a:r>
+              <a:rPr lang="ru-RU" sz="3000" dirty="0" smtClean="0">
+                <a:solidFill>
+                  <a:schemeClr val="bg1"/>
+                </a:solidFill>
+              </a:rPr>
+              <a:t>данных</a:t>
+            </a:r>
+            <a:endParaRPr lang="ru-RU" sz="3000" dirty="0">
+              <a:solidFill>
+                <a:schemeClr val="bg1"/>
+              </a:solidFill>
+            </a:endParaRPr>
           </a:p>
         </p:txBody>
       </p:sp>
@@ -4528,7 +4607,7 @@
           <p:cNvPr id="2" name="Заголовок 1">
             <a:extLst>
               <a:ext uri="{FF2B5EF4-FFF2-40B4-BE49-F238E27FC236}">
-                <a16:creationId xmlns:a16="http://schemas.microsoft.com/office/drawing/2014/main" xmlns="" id="{33347A89-BAAC-41F4-9DE9-52BF65611484}"/>
+                <a16:creationId xmlns="" xmlns:a16="http://schemas.microsoft.com/office/drawing/2014/main" id="{33347A89-BAAC-41F4-9DE9-52BF65611484}"/>
               </a:ext>
             </a:extLst>
           </p:cNvPr>
@@ -4566,7 +4645,7 @@
           <p:cNvPr id="3" name="Объект 2">
             <a:extLst>
               <a:ext uri="{FF2B5EF4-FFF2-40B4-BE49-F238E27FC236}">
-                <a16:creationId xmlns:a16="http://schemas.microsoft.com/office/drawing/2014/main" xmlns="" id="{E710283F-8B32-4F54-B290-5754DD800A29}"/>
+                <a16:creationId xmlns="" xmlns:a16="http://schemas.microsoft.com/office/drawing/2014/main" id="{E710283F-8B32-4F54-B290-5754DD800A29}"/>
               </a:ext>
             </a:extLst>
           </p:cNvPr>
@@ -4906,7 +4985,7 @@
   <a:extraClrSchemeLst/>
   <a:extLst>
     <a:ext uri="{05A4C25C-085E-4340-85A3-A5531E510DB2}">
-      <thm15:themeFamily xmlns:thm15="http://schemas.microsoft.com/office/thememl/2012/main" xmlns="" name="Metropolitan" id="{4C5440D6-04D2-4954-96CF-F251137069B2}" vid="{79CFCA13-9412-4290-BB4B-85112F88857B}"/>
+      <thm15:themeFamily xmlns="" xmlns:thm15="http://schemas.microsoft.com/office/thememl/2012/main" name="Metropolitan" id="{4C5440D6-04D2-4954-96CF-F251137069B2}" vid="{79CFCA13-9412-4290-BB4B-85112F88857B}"/>
     </a:ext>
   </a:extLst>
 </a:theme>
